--- a/SQLDBProject_B_화면구성.pptx
+++ b/SQLDBProject_B_화면구성.pptx
@@ -5,14 +5,15 @@
     <p:sldMasterId id="2147483648" r:id="rId1"/>
   </p:sldMasterIdLst>
   <p:notesMasterIdLst>
-    <p:notesMasterId r:id="rId7"/>
+    <p:notesMasterId r:id="rId8"/>
   </p:notesMasterIdLst>
   <p:sldIdLst>
     <p:sldId id="258" r:id="rId2"/>
-    <p:sldId id="262" r:id="rId3"/>
-    <p:sldId id="259" r:id="rId4"/>
-    <p:sldId id="260" r:id="rId5"/>
-    <p:sldId id="261" r:id="rId6"/>
+    <p:sldId id="263" r:id="rId3"/>
+    <p:sldId id="262" r:id="rId4"/>
+    <p:sldId id="259" r:id="rId5"/>
+    <p:sldId id="260" r:id="rId6"/>
+    <p:sldId id="261" r:id="rId7"/>
   </p:sldIdLst>
   <p:sldSz cx="9144000" cy="6858000" type="screen4x3"/>
   <p:notesSz cx="6858000" cy="9144000"/>
@@ -196,7 +197,7 @@
           <a:p>
             <a:fld id="{404BDCA5-1E75-4E1E-9601-B405D08CA135}" type="datetimeFigureOut">
               <a:rPr lang="ko-KR" altLang="en-US" smtClean="0"/>
-              <a:t>2020-09-04</a:t>
+              <a:t>2020-09-09</a:t>
             </a:fld>
             <a:endParaRPr lang="ko-KR" altLang="en-US"/>
           </a:p>
@@ -645,7 +646,7 @@
           <a:p>
             <a:fld id="{9DBA7A7C-445B-465D-9349-8FDEDECD0A7F}" type="datetimeFigureOut">
               <a:rPr lang="ko-KR" altLang="en-US" smtClean="0"/>
-              <a:t>2020-09-04</a:t>
+              <a:t>2020-09-09</a:t>
             </a:fld>
             <a:endParaRPr lang="ko-KR" altLang="en-US"/>
           </a:p>
@@ -815,7 +816,7 @@
           <a:p>
             <a:fld id="{9DBA7A7C-445B-465D-9349-8FDEDECD0A7F}" type="datetimeFigureOut">
               <a:rPr lang="ko-KR" altLang="en-US" smtClean="0"/>
-              <a:t>2020-09-04</a:t>
+              <a:t>2020-09-09</a:t>
             </a:fld>
             <a:endParaRPr lang="ko-KR" altLang="en-US"/>
           </a:p>
@@ -995,7 +996,7 @@
           <a:p>
             <a:fld id="{9DBA7A7C-445B-465D-9349-8FDEDECD0A7F}" type="datetimeFigureOut">
               <a:rPr lang="ko-KR" altLang="en-US" smtClean="0"/>
-              <a:t>2020-09-04</a:t>
+              <a:t>2020-09-09</a:t>
             </a:fld>
             <a:endParaRPr lang="ko-KR" altLang="en-US"/>
           </a:p>
@@ -1165,7 +1166,7 @@
           <a:p>
             <a:fld id="{9DBA7A7C-445B-465D-9349-8FDEDECD0A7F}" type="datetimeFigureOut">
               <a:rPr lang="ko-KR" altLang="en-US" smtClean="0"/>
-              <a:t>2020-09-04</a:t>
+              <a:t>2020-09-09</a:t>
             </a:fld>
             <a:endParaRPr lang="ko-KR" altLang="en-US"/>
           </a:p>
@@ -1411,7 +1412,7 @@
           <a:p>
             <a:fld id="{9DBA7A7C-445B-465D-9349-8FDEDECD0A7F}" type="datetimeFigureOut">
               <a:rPr lang="ko-KR" altLang="en-US" smtClean="0"/>
-              <a:t>2020-09-04</a:t>
+              <a:t>2020-09-09</a:t>
             </a:fld>
             <a:endParaRPr lang="ko-KR" altLang="en-US"/>
           </a:p>
@@ -1699,7 +1700,7 @@
           <a:p>
             <a:fld id="{9DBA7A7C-445B-465D-9349-8FDEDECD0A7F}" type="datetimeFigureOut">
               <a:rPr lang="ko-KR" altLang="en-US" smtClean="0"/>
-              <a:t>2020-09-04</a:t>
+              <a:t>2020-09-09</a:t>
             </a:fld>
             <a:endParaRPr lang="ko-KR" altLang="en-US"/>
           </a:p>
@@ -2121,7 +2122,7 @@
           <a:p>
             <a:fld id="{9DBA7A7C-445B-465D-9349-8FDEDECD0A7F}" type="datetimeFigureOut">
               <a:rPr lang="ko-KR" altLang="en-US" smtClean="0"/>
-              <a:t>2020-09-04</a:t>
+              <a:t>2020-09-09</a:t>
             </a:fld>
             <a:endParaRPr lang="ko-KR" altLang="en-US"/>
           </a:p>
@@ -2239,7 +2240,7 @@
           <a:p>
             <a:fld id="{9DBA7A7C-445B-465D-9349-8FDEDECD0A7F}" type="datetimeFigureOut">
               <a:rPr lang="ko-KR" altLang="en-US" smtClean="0"/>
-              <a:t>2020-09-04</a:t>
+              <a:t>2020-09-09</a:t>
             </a:fld>
             <a:endParaRPr lang="ko-KR" altLang="en-US"/>
           </a:p>
@@ -2334,7 +2335,7 @@
           <a:p>
             <a:fld id="{9DBA7A7C-445B-465D-9349-8FDEDECD0A7F}" type="datetimeFigureOut">
               <a:rPr lang="ko-KR" altLang="en-US" smtClean="0"/>
-              <a:t>2020-09-04</a:t>
+              <a:t>2020-09-09</a:t>
             </a:fld>
             <a:endParaRPr lang="ko-KR" altLang="en-US"/>
           </a:p>
@@ -2611,7 +2612,7 @@
           <a:p>
             <a:fld id="{9DBA7A7C-445B-465D-9349-8FDEDECD0A7F}" type="datetimeFigureOut">
               <a:rPr lang="ko-KR" altLang="en-US" smtClean="0"/>
-              <a:t>2020-09-04</a:t>
+              <a:t>2020-09-09</a:t>
             </a:fld>
             <a:endParaRPr lang="ko-KR" altLang="en-US"/>
           </a:p>
@@ -2864,7 +2865,7 @@
           <a:p>
             <a:fld id="{9DBA7A7C-445B-465D-9349-8FDEDECD0A7F}" type="datetimeFigureOut">
               <a:rPr lang="ko-KR" altLang="en-US" smtClean="0"/>
-              <a:t>2020-09-04</a:t>
+              <a:t>2020-09-09</a:t>
             </a:fld>
             <a:endParaRPr lang="ko-KR" altLang="en-US"/>
           </a:p>
@@ -3077,7 +3078,7 @@
           <a:p>
             <a:fld id="{9DBA7A7C-445B-465D-9349-8FDEDECD0A7F}" type="datetimeFigureOut">
               <a:rPr lang="ko-KR" altLang="en-US" smtClean="0"/>
-              <a:t>2020-09-04</a:t>
+              <a:t>2020-09-09</a:t>
             </a:fld>
             <a:endParaRPr lang="ko-KR" altLang="en-US"/>
           </a:p>
@@ -3595,12 +3596,20 @@
           <a:p>
             <a:pPr algn="ctr"/>
             <a:r>
-              <a:rPr lang="ko-KR" altLang="en-US" dirty="0" smtClean="0">
+              <a:rPr lang="ko-KR" altLang="en-US" dirty="0" err="1" smtClean="0">
                 <a:solidFill>
                   <a:schemeClr val="tx1"/>
                 </a:solidFill>
               </a:rPr>
-              <a:t>텍스트박스</a:t>
+              <a:t>데이터</a:t>
+            </a:r>
+            <a:r>
+              <a:rPr lang="ko-KR" altLang="en-US" dirty="0" err="1" smtClean="0">
+                <a:solidFill>
+                  <a:schemeClr val="tx1"/>
+                </a:solidFill>
+              </a:rPr>
+              <a:t>그리드뷰</a:t>
             </a:r>
             <a:endParaRPr lang="ko-KR" altLang="en-US" dirty="0">
               <a:solidFill>
@@ -4524,6 +4533,451 @@
           <a:chExt cx="0" cy="0"/>
         </a:xfrm>
       </p:grpSpPr>
+      <p:sp>
+        <p:nvSpPr>
+          <p:cNvPr id="4" name="직사각형 3"/>
+          <p:cNvSpPr/>
+          <p:nvPr/>
+        </p:nvSpPr>
+        <p:spPr>
+          <a:xfrm>
+            <a:off x="395536" y="692696"/>
+            <a:ext cx="8280920" cy="5616624"/>
+          </a:xfrm>
+          <a:prstGeom prst="rect">
+            <a:avLst/>
+          </a:prstGeom>
+        </p:spPr>
+        <p:style>
+          <a:lnRef idx="2">
+            <a:schemeClr val="accent1">
+              <a:shade val="50000"/>
+            </a:schemeClr>
+          </a:lnRef>
+          <a:fillRef idx="1">
+            <a:schemeClr val="accent1"/>
+          </a:fillRef>
+          <a:effectRef idx="0">
+            <a:schemeClr val="accent1"/>
+          </a:effectRef>
+          <a:fontRef idx="minor">
+            <a:schemeClr val="lt1"/>
+          </a:fontRef>
+        </p:style>
+        <p:txBody>
+          <a:bodyPr rtlCol="0" anchor="ctr"/>
+          <a:lstStyle/>
+          <a:p>
+            <a:pPr algn="ctr"/>
+            <a:endParaRPr lang="ko-KR" altLang="en-US"/>
+          </a:p>
+        </p:txBody>
+      </p:sp>
+      <p:sp>
+        <p:nvSpPr>
+          <p:cNvPr id="5" name="직사각형 4"/>
+          <p:cNvSpPr/>
+          <p:nvPr/>
+        </p:nvSpPr>
+        <p:spPr>
+          <a:xfrm>
+            <a:off x="577448" y="980728"/>
+            <a:ext cx="1656184" cy="5112568"/>
+          </a:xfrm>
+          <a:prstGeom prst="rect">
+            <a:avLst/>
+          </a:prstGeom>
+          <a:solidFill>
+            <a:schemeClr val="bg1"/>
+          </a:solidFill>
+        </p:spPr>
+        <p:style>
+          <a:lnRef idx="2">
+            <a:schemeClr val="accent1">
+              <a:shade val="50000"/>
+            </a:schemeClr>
+          </a:lnRef>
+          <a:fillRef idx="1">
+            <a:schemeClr val="accent1"/>
+          </a:fillRef>
+          <a:effectRef idx="0">
+            <a:schemeClr val="accent1"/>
+          </a:effectRef>
+          <a:fontRef idx="minor">
+            <a:schemeClr val="lt1"/>
+          </a:fontRef>
+        </p:style>
+        <p:txBody>
+          <a:bodyPr rtlCol="0" anchor="ctr"/>
+          <a:lstStyle/>
+          <a:p>
+            <a:pPr algn="ctr"/>
+            <a:r>
+              <a:rPr lang="ko-KR" altLang="en-US" dirty="0" smtClean="0">
+                <a:solidFill>
+                  <a:schemeClr val="tx1"/>
+                </a:solidFill>
+              </a:rPr>
+              <a:t>파일 트리 </a:t>
+            </a:r>
+            <a:r>
+              <a:rPr lang="ko-KR" altLang="en-US" dirty="0" err="1" smtClean="0">
+                <a:solidFill>
+                  <a:schemeClr val="tx1"/>
+                </a:solidFill>
+              </a:rPr>
+              <a:t>뷰</a:t>
+            </a:r>
+            <a:endParaRPr lang="ko-KR" altLang="en-US" dirty="0">
+              <a:solidFill>
+                <a:schemeClr val="tx1"/>
+              </a:solidFill>
+            </a:endParaRPr>
+          </a:p>
+        </p:txBody>
+      </p:sp>
+      <p:sp>
+        <p:nvSpPr>
+          <p:cNvPr id="6" name="직사각형 5"/>
+          <p:cNvSpPr/>
+          <p:nvPr/>
+        </p:nvSpPr>
+        <p:spPr>
+          <a:xfrm>
+            <a:off x="2411760" y="980728"/>
+            <a:ext cx="3888432" cy="5112568"/>
+          </a:xfrm>
+          <a:prstGeom prst="rect">
+            <a:avLst/>
+          </a:prstGeom>
+          <a:solidFill>
+            <a:schemeClr val="bg1"/>
+          </a:solidFill>
+        </p:spPr>
+        <p:style>
+          <a:lnRef idx="2">
+            <a:schemeClr val="accent1">
+              <a:shade val="50000"/>
+            </a:schemeClr>
+          </a:lnRef>
+          <a:fillRef idx="1">
+            <a:schemeClr val="accent1"/>
+          </a:fillRef>
+          <a:effectRef idx="0">
+            <a:schemeClr val="accent1"/>
+          </a:effectRef>
+          <a:fontRef idx="minor">
+            <a:schemeClr val="lt1"/>
+          </a:fontRef>
+        </p:style>
+        <p:txBody>
+          <a:bodyPr rtlCol="0" anchor="ctr"/>
+          <a:lstStyle/>
+          <a:p>
+            <a:pPr algn="ctr"/>
+            <a:r>
+              <a:rPr lang="ko-KR" altLang="en-US" dirty="0" err="1" smtClean="0">
+                <a:solidFill>
+                  <a:schemeClr val="tx1"/>
+                </a:solidFill>
+              </a:rPr>
+              <a:t>데이터</a:t>
+            </a:r>
+            <a:r>
+              <a:rPr lang="ko-KR" altLang="en-US" dirty="0" err="1" smtClean="0">
+                <a:solidFill>
+                  <a:schemeClr val="tx1"/>
+                </a:solidFill>
+              </a:rPr>
+              <a:t>그리드뷰</a:t>
+            </a:r>
+            <a:endParaRPr lang="ko-KR" altLang="en-US" dirty="0">
+              <a:solidFill>
+                <a:schemeClr val="tx1"/>
+              </a:solidFill>
+            </a:endParaRPr>
+          </a:p>
+        </p:txBody>
+      </p:sp>
+      <p:sp>
+        <p:nvSpPr>
+          <p:cNvPr id="7" name="직사각형 6"/>
+          <p:cNvSpPr/>
+          <p:nvPr/>
+        </p:nvSpPr>
+        <p:spPr>
+          <a:xfrm>
+            <a:off x="6444208" y="980728"/>
+            <a:ext cx="2160240" cy="1944216"/>
+          </a:xfrm>
+          <a:prstGeom prst="rect">
+            <a:avLst/>
+          </a:prstGeom>
+          <a:solidFill>
+            <a:schemeClr val="bg1"/>
+          </a:solidFill>
+        </p:spPr>
+        <p:style>
+          <a:lnRef idx="2">
+            <a:schemeClr val="accent1">
+              <a:shade val="50000"/>
+            </a:schemeClr>
+          </a:lnRef>
+          <a:fillRef idx="1">
+            <a:schemeClr val="accent1"/>
+          </a:fillRef>
+          <a:effectRef idx="0">
+            <a:schemeClr val="accent1"/>
+          </a:effectRef>
+          <a:fontRef idx="minor">
+            <a:schemeClr val="lt1"/>
+          </a:fontRef>
+        </p:style>
+        <p:txBody>
+          <a:bodyPr rtlCol="0" anchor="ctr"/>
+          <a:lstStyle/>
+          <a:p>
+            <a:pPr algn="ctr"/>
+            <a:r>
+              <a:rPr lang="ko-KR" altLang="en-US" dirty="0" smtClean="0">
+                <a:solidFill>
+                  <a:schemeClr val="tx1"/>
+                </a:solidFill>
+              </a:rPr>
+              <a:t>텍스트박스</a:t>
+            </a:r>
+            <a:endParaRPr lang="ko-KR" altLang="en-US" dirty="0">
+              <a:solidFill>
+                <a:schemeClr val="tx1"/>
+              </a:solidFill>
+            </a:endParaRPr>
+          </a:p>
+        </p:txBody>
+      </p:sp>
+      <p:sp>
+        <p:nvSpPr>
+          <p:cNvPr id="12" name="직사각형 11"/>
+          <p:cNvSpPr/>
+          <p:nvPr/>
+        </p:nvSpPr>
+        <p:spPr>
+          <a:xfrm>
+            <a:off x="6436690" y="5013176"/>
+            <a:ext cx="2160240" cy="1152128"/>
+          </a:xfrm>
+          <a:prstGeom prst="rect">
+            <a:avLst/>
+          </a:prstGeom>
+          <a:solidFill>
+            <a:schemeClr val="bg1"/>
+          </a:solidFill>
+        </p:spPr>
+        <p:style>
+          <a:lnRef idx="2">
+            <a:schemeClr val="accent1">
+              <a:shade val="50000"/>
+            </a:schemeClr>
+          </a:lnRef>
+          <a:fillRef idx="1">
+            <a:schemeClr val="accent1"/>
+          </a:fillRef>
+          <a:effectRef idx="0">
+            <a:schemeClr val="accent1"/>
+          </a:effectRef>
+          <a:fontRef idx="minor">
+            <a:schemeClr val="lt1"/>
+          </a:fontRef>
+        </p:style>
+        <p:txBody>
+          <a:bodyPr rtlCol="0" anchor="ctr"/>
+          <a:lstStyle/>
+          <a:p>
+            <a:pPr algn="ctr"/>
+            <a:r>
+              <a:rPr lang="ko-KR" altLang="en-US" dirty="0" smtClean="0">
+                <a:solidFill>
+                  <a:schemeClr val="tx1"/>
+                </a:solidFill>
+              </a:rPr>
+              <a:t>텍스트 박스</a:t>
+            </a:r>
+            <a:endParaRPr lang="ko-KR" altLang="en-US" dirty="0">
+              <a:solidFill>
+                <a:schemeClr val="tx1"/>
+              </a:solidFill>
+            </a:endParaRPr>
+          </a:p>
+        </p:txBody>
+      </p:sp>
+      <p:sp>
+        <p:nvSpPr>
+          <p:cNvPr id="19" name="빗면 18"/>
+          <p:cNvSpPr/>
+          <p:nvPr/>
+        </p:nvSpPr>
+        <p:spPr>
+          <a:xfrm>
+            <a:off x="6448120" y="3009661"/>
+            <a:ext cx="2156328" cy="419339"/>
+          </a:xfrm>
+          <a:prstGeom prst="bevel">
+            <a:avLst/>
+          </a:prstGeom>
+          <a:solidFill>
+            <a:schemeClr val="bg1"/>
+          </a:solidFill>
+        </p:spPr>
+        <p:style>
+          <a:lnRef idx="2">
+            <a:schemeClr val="accent1">
+              <a:shade val="50000"/>
+            </a:schemeClr>
+          </a:lnRef>
+          <a:fillRef idx="1">
+            <a:schemeClr val="accent1"/>
+          </a:fillRef>
+          <a:effectRef idx="0">
+            <a:schemeClr val="accent1"/>
+          </a:effectRef>
+          <a:fontRef idx="minor">
+            <a:schemeClr val="lt1"/>
+          </a:fontRef>
+        </p:style>
+        <p:txBody>
+          <a:bodyPr rtlCol="0" anchor="ctr"/>
+          <a:lstStyle/>
+          <a:p>
+            <a:pPr algn="ctr"/>
+            <a:endParaRPr lang="ko-KR" altLang="en-US"/>
+          </a:p>
+        </p:txBody>
+      </p:sp>
+      <p:sp>
+        <p:nvSpPr>
+          <p:cNvPr id="20" name="직사각형 19"/>
+          <p:cNvSpPr/>
+          <p:nvPr/>
+        </p:nvSpPr>
+        <p:spPr>
+          <a:xfrm>
+            <a:off x="395626" y="794332"/>
+            <a:ext cx="1872208" cy="5370972"/>
+          </a:xfrm>
+          <a:prstGeom prst="rect">
+            <a:avLst/>
+          </a:prstGeom>
+          <a:noFill/>
+          <a:ln>
+            <a:solidFill>
+              <a:schemeClr val="bg1">
+                <a:lumMod val="85000"/>
+              </a:schemeClr>
+            </a:solidFill>
+          </a:ln>
+        </p:spPr>
+        <p:style>
+          <a:lnRef idx="2">
+            <a:schemeClr val="accent1">
+              <a:shade val="50000"/>
+            </a:schemeClr>
+          </a:lnRef>
+          <a:fillRef idx="1">
+            <a:schemeClr val="accent1"/>
+          </a:fillRef>
+          <a:effectRef idx="0">
+            <a:schemeClr val="accent1"/>
+          </a:effectRef>
+          <a:fontRef idx="minor">
+            <a:schemeClr val="lt1"/>
+          </a:fontRef>
+        </p:style>
+        <p:txBody>
+          <a:bodyPr rtlCol="0" anchor="ctr"/>
+          <a:lstStyle/>
+          <a:p>
+            <a:pPr algn="ctr"/>
+            <a:endParaRPr lang="ko-KR" altLang="en-US"/>
+          </a:p>
+        </p:txBody>
+      </p:sp>
+      <p:sp>
+        <p:nvSpPr>
+          <p:cNvPr id="21" name="직사각형 20"/>
+          <p:cNvSpPr/>
+          <p:nvPr/>
+        </p:nvSpPr>
+        <p:spPr>
+          <a:xfrm>
+            <a:off x="2267744" y="794884"/>
+            <a:ext cx="4104456" cy="5370420"/>
+          </a:xfrm>
+          <a:prstGeom prst="rect">
+            <a:avLst/>
+          </a:prstGeom>
+          <a:noFill/>
+          <a:ln>
+            <a:solidFill>
+              <a:schemeClr val="bg1">
+                <a:lumMod val="85000"/>
+              </a:schemeClr>
+            </a:solidFill>
+          </a:ln>
+        </p:spPr>
+        <p:style>
+          <a:lnRef idx="2">
+            <a:schemeClr val="accent1">
+              <a:shade val="50000"/>
+            </a:schemeClr>
+          </a:lnRef>
+          <a:fillRef idx="1">
+            <a:schemeClr val="accent1"/>
+          </a:fillRef>
+          <a:effectRef idx="0">
+            <a:schemeClr val="accent1"/>
+          </a:effectRef>
+          <a:fontRef idx="minor">
+            <a:schemeClr val="lt1"/>
+          </a:fontRef>
+        </p:style>
+        <p:txBody>
+          <a:bodyPr rtlCol="0" anchor="ctr"/>
+          <a:lstStyle/>
+          <a:p>
+            <a:pPr algn="ctr"/>
+            <a:endParaRPr lang="ko-KR" altLang="en-US"/>
+          </a:p>
+        </p:txBody>
+      </p:sp>
+    </p:spTree>
+    <p:extLst>
+      <p:ext uri="{BB962C8B-B14F-4D97-AF65-F5344CB8AC3E}">
+        <p14:creationId xmlns:p14="http://schemas.microsoft.com/office/powerpoint/2010/main" val="2864815933"/>
+      </p:ext>
+    </p:extLst>
+  </p:cSld>
+  <p:clrMapOvr>
+    <a:masterClrMapping/>
+  </p:clrMapOvr>
+</p:sld>
+</file>
+
+<file path=ppt/slides/slide3.xml><?xml version="1.0" encoding="utf-8"?>
+<p:sld xmlns:a="http://schemas.openxmlformats.org/drawingml/2006/main" xmlns:r="http://schemas.openxmlformats.org/officeDocument/2006/relationships" xmlns:p="http://schemas.openxmlformats.org/presentationml/2006/main">
+  <p:cSld>
+    <p:spTree>
+      <p:nvGrpSpPr>
+        <p:cNvPr id="1" name=""/>
+        <p:cNvGrpSpPr/>
+        <p:nvPr/>
+      </p:nvGrpSpPr>
+      <p:grpSpPr>
+        <a:xfrm>
+          <a:off x="0" y="0"/>
+          <a:ext cx="0" cy="0"/>
+          <a:chOff x="0" y="0"/>
+          <a:chExt cx="0" cy="0"/>
+        </a:xfrm>
+      </p:grpSpPr>
       <p:pic>
         <p:nvPicPr>
           <p:cNvPr id="3074" name="Picture 2"/>
@@ -4601,7 +5055,7 @@
 </p:sld>
 </file>
 
-<file path=ppt/slides/slide3.xml><?xml version="1.0" encoding="utf-8"?>
+<file path=ppt/slides/slide4.xml><?xml version="1.0" encoding="utf-8"?>
 <p:sld xmlns:a="http://schemas.openxmlformats.org/drawingml/2006/main" xmlns:r="http://schemas.openxmlformats.org/officeDocument/2006/relationships" xmlns:p="http://schemas.openxmlformats.org/presentationml/2006/main">
   <p:cSld>
     <p:spTree>
@@ -5191,7 +5645,7 @@
 </p:sld>
 </file>
 
-<file path=ppt/slides/slide4.xml><?xml version="1.0" encoding="utf-8"?>
+<file path=ppt/slides/slide5.xml><?xml version="1.0" encoding="utf-8"?>
 <p:sld xmlns:a="http://schemas.openxmlformats.org/drawingml/2006/main" xmlns:r="http://schemas.openxmlformats.org/officeDocument/2006/relationships" xmlns:p="http://schemas.openxmlformats.org/presentationml/2006/main">
   <p:cSld>
     <p:spTree>
@@ -6073,7 +6527,7 @@
 </p:sld>
 </file>
 
-<file path=ppt/slides/slide5.xml><?xml version="1.0" encoding="utf-8"?>
+<file path=ppt/slides/slide6.xml><?xml version="1.0" encoding="utf-8"?>
 <p:sld xmlns:a="http://schemas.openxmlformats.org/drawingml/2006/main" xmlns:r="http://schemas.openxmlformats.org/officeDocument/2006/relationships" xmlns:p="http://schemas.openxmlformats.org/presentationml/2006/main">
   <p:cSld>
     <p:spTree>
